--- a/lesson07.pptx
+++ b/lesson07.pptx
@@ -386,7 +386,7 @@
             <a:fld id="{85522811-C5C6-42D2-A409-F8556720C93F}" type="datetimeFigureOut">
               <a:rPr lang="uk-UA" smtClean="0"/>
               <a:pPr/>
-              <a:t>14.04.2021</a:t>
+              <a:t>25.07.2021</a:t>
             </a:fld>
             <a:endParaRPr lang="uk-UA"/>
           </a:p>
@@ -931,7 +931,7 @@
             <a:fld id="{E6FC6B0D-6115-4D7C-8040-9C8E2349BB6E}" type="datetime1">
               <a:rPr lang="uk-UA" smtClean="0"/>
               <a:pPr/>
-              <a:t>14.04.2021</a:t>
+              <a:t>25.07.2021</a:t>
             </a:fld>
             <a:endParaRPr lang="uk-UA"/>
           </a:p>
@@ -1098,7 +1098,7 @@
             <a:fld id="{996367BA-0A39-4DE2-BFC3-D5290044365E}" type="datetime1">
               <a:rPr lang="uk-UA" smtClean="0"/>
               <a:pPr/>
-              <a:t>14.04.2021</a:t>
+              <a:t>25.07.2021</a:t>
             </a:fld>
             <a:endParaRPr lang="uk-UA"/>
           </a:p>
@@ -1275,7 +1275,7 @@
             <a:fld id="{1BD6A67F-6C29-47DC-AF8A-FDB3C787DF70}" type="datetime1">
               <a:rPr lang="uk-UA" smtClean="0"/>
               <a:pPr/>
-              <a:t>14.04.2021</a:t>
+              <a:t>25.07.2021</a:t>
             </a:fld>
             <a:endParaRPr lang="uk-UA"/>
           </a:p>
@@ -1442,7 +1442,7 @@
             <a:fld id="{1657D9C5-7FF1-434F-B56E-9BAD559744E9}" type="datetime1">
               <a:rPr lang="uk-UA" smtClean="0"/>
               <a:pPr/>
-              <a:t>14.04.2021</a:t>
+              <a:t>25.07.2021</a:t>
             </a:fld>
             <a:endParaRPr lang="uk-UA"/>
           </a:p>
@@ -1685,7 +1685,7 @@
             <a:fld id="{2CEB0FC9-DE63-476B-A1A9-BE934D9049F8}" type="datetime1">
               <a:rPr lang="uk-UA" smtClean="0"/>
               <a:pPr/>
-              <a:t>14.04.2021</a:t>
+              <a:t>25.07.2021</a:t>
             </a:fld>
             <a:endParaRPr lang="uk-UA"/>
           </a:p>
@@ -1970,7 +1970,7 @@
             <a:fld id="{F964460F-86E2-4DF6-9D0F-12F5005CF375}" type="datetime1">
               <a:rPr lang="uk-UA" smtClean="0"/>
               <a:pPr/>
-              <a:t>14.04.2021</a:t>
+              <a:t>25.07.2021</a:t>
             </a:fld>
             <a:endParaRPr lang="uk-UA"/>
           </a:p>
@@ -2389,7 +2389,7 @@
             <a:fld id="{C521715E-DDCD-4267-B0A5-2918B6F6768A}" type="datetime1">
               <a:rPr lang="uk-UA" smtClean="0"/>
               <a:pPr/>
-              <a:t>14.04.2021</a:t>
+              <a:t>25.07.2021</a:t>
             </a:fld>
             <a:endParaRPr lang="uk-UA"/>
           </a:p>
@@ -2504,7 +2504,7 @@
             <a:fld id="{9289842C-EB2D-4EBB-A272-2F6A49D9794D}" type="datetime1">
               <a:rPr lang="uk-UA" smtClean="0"/>
               <a:pPr/>
-              <a:t>14.04.2021</a:t>
+              <a:t>25.07.2021</a:t>
             </a:fld>
             <a:endParaRPr lang="uk-UA"/>
           </a:p>
@@ -2596,7 +2596,7 @@
             <a:fld id="{D036F091-B700-4B52-99AC-85D0FD94D904}" type="datetime1">
               <a:rPr lang="uk-UA" smtClean="0"/>
               <a:pPr/>
-              <a:t>14.04.2021</a:t>
+              <a:t>25.07.2021</a:t>
             </a:fld>
             <a:endParaRPr lang="uk-UA"/>
           </a:p>
@@ -2870,7 +2870,7 @@
             <a:fld id="{B35DFABA-3811-4634-B803-2EAC4CD0063B}" type="datetime1">
               <a:rPr lang="uk-UA" smtClean="0"/>
               <a:pPr/>
-              <a:t>14.04.2021</a:t>
+              <a:t>25.07.2021</a:t>
             </a:fld>
             <a:endParaRPr lang="uk-UA"/>
           </a:p>
@@ -3120,7 +3120,7 @@
             <a:fld id="{8A9EA25E-F88E-463A-A119-D1E55A881002}" type="datetime1">
               <a:rPr lang="uk-UA" smtClean="0"/>
               <a:pPr/>
-              <a:t>14.04.2021</a:t>
+              <a:t>25.07.2021</a:t>
             </a:fld>
             <a:endParaRPr lang="uk-UA"/>
           </a:p>
@@ -3330,7 +3330,7 @@
             <a:fld id="{E708ED03-0080-49A2-B709-7DA4ACB3A1C3}" type="datetime1">
               <a:rPr lang="uk-UA" smtClean="0"/>
               <a:pPr/>
-              <a:t>14.04.2021</a:t>
+              <a:t>25.07.2021</a:t>
             </a:fld>
             <a:endParaRPr lang="uk-UA"/>
           </a:p>
@@ -5088,8 +5088,8 @@
         </p:nvSpPr>
         <p:spPr>
           <a:xfrm>
-            <a:off x="7464152" y="1340768"/>
-            <a:ext cx="3600400" cy="3539430"/>
+            <a:off x="7175330" y="1340768"/>
+            <a:ext cx="3889222" cy="3108543"/>
           </a:xfrm>
           <a:prstGeom prst="rect">
             <a:avLst/>
@@ -5103,7 +5103,7 @@
           <a:p>
             <a:r>
               <a:rPr lang="ru-RU" sz="2800" dirty="0"/>
-              <a:t>Создайте адаптивный «контейнер» в </a:t>
+              <a:t>Создайте «контейнер» в </a:t>
             </a:r>
             <a:r>
               <a:rPr lang="en-US" sz="2800" b="1" dirty="0"/>
@@ -5142,7 +5142,7 @@
               <a:t> до </a:t>
             </a:r>
             <a:r>
-              <a:rPr lang="en-US" sz="2800" b="1"/>
+              <a:rPr lang="en-US" sz="2800" b="1" dirty="0"/>
               <a:t>1200px</a:t>
             </a:r>
             <a:r>
